--- a/url_shortner_mongodb_project.pptx
+++ b/url_shortner_mongodb_project.pptx
@@ -521,7 +521,7 @@
           <a:p>
             <a:fld id="{83284890-85D2-4D7B-8EF5-15A9C1DB8F42}" type="datetimeFigureOut">
               <a:rPr lang="en-US" dirty="0"/>
-              <a:t>11/26/2020</a:t>
+              <a:t>2/22/2021</a:t>
             </a:fld>
             <a:endParaRPr lang="en-US" dirty="0"/>
           </a:p>
@@ -696,7 +696,7 @@
           <a:p>
             <a:fld id="{87157CC2-0FC8-4686-B024-99790E0F5162}" type="datetimeFigureOut">
               <a:rPr lang="en-US" dirty="0"/>
-              <a:t>11/26/2020</a:t>
+              <a:t>2/22/2021</a:t>
             </a:fld>
             <a:endParaRPr lang="en-US" dirty="0"/>
           </a:p>
@@ -871,7 +871,7 @@
           <a:p>
             <a:fld id="{F6764DA5-CD3D-4590-A511-FCD3BC7A793E}" type="datetimeFigureOut">
               <a:rPr lang="en-US" dirty="0"/>
-              <a:t>11/26/2020</a:t>
+              <a:t>2/22/2021</a:t>
             </a:fld>
             <a:endParaRPr lang="en-US" dirty="0"/>
           </a:p>
@@ -1036,7 +1036,7 @@
           <a:p>
             <a:fld id="{82F5661D-6934-4B32-B92C-470368BF1EC6}" type="datetimeFigureOut">
               <a:rPr lang="en-US" dirty="0"/>
-              <a:t>11/26/2020</a:t>
+              <a:t>2/22/2021</a:t>
             </a:fld>
             <a:endParaRPr lang="en-US" dirty="0"/>
           </a:p>
@@ -1344,7 +1344,7 @@
           <a:p>
             <a:fld id="{C6F822A4-8DA6-4447-9B1F-C5DB58435268}" type="datetimeFigureOut">
               <a:rPr lang="en-US" dirty="0"/>
-              <a:t>11/26/2020</a:t>
+              <a:t>2/22/2021</a:t>
             </a:fld>
             <a:endParaRPr lang="en-US" dirty="0"/>
           </a:p>
@@ -1726,7 +1726,7 @@
           <a:p>
             <a:fld id="{E548D31E-DCDA-41A7-9C67-C4B11B94D21D}" type="datetimeFigureOut">
               <a:rPr lang="en-US" dirty="0"/>
-              <a:t>11/26/2020</a:t>
+              <a:t>2/22/2021</a:t>
             </a:fld>
             <a:endParaRPr lang="en-US" dirty="0"/>
           </a:p>
@@ -2155,7 +2155,7 @@
           <a:p>
             <a:fld id="{9B3762C0-B258-48F1-ADE6-176B4174CCDD}" type="datetimeFigureOut">
               <a:rPr lang="en-US" dirty="0"/>
-              <a:t>11/26/2020</a:t>
+              <a:t>2/22/2021</a:t>
             </a:fld>
             <a:endParaRPr lang="en-US" dirty="0"/>
           </a:p>
@@ -2268,7 +2268,7 @@
           <a:p>
             <a:fld id="{677919A6-33EB-49BD-A62F-1FA56B9F9712}" type="datetimeFigureOut">
               <a:rPr lang="en-US" dirty="0"/>
-              <a:t>11/26/2020</a:t>
+              <a:t>2/22/2021</a:t>
             </a:fld>
             <a:endParaRPr lang="en-US" dirty="0"/>
           </a:p>
@@ -2358,7 +2358,7 @@
           <a:p>
             <a:fld id="{CA4E7D1B-D673-4CF6-8672-009D42ABD2A0}" type="datetimeFigureOut">
               <a:rPr lang="en-US" dirty="0"/>
-              <a:t>11/26/2020</a:t>
+              <a:t>2/22/2021</a:t>
             </a:fld>
             <a:endParaRPr lang="en-US" dirty="0"/>
           </a:p>
@@ -2703,7 +2703,7 @@
           <a:p>
             <a:fld id="{DA16AA21-1863-4931-97CB-99D0A168701B}" type="datetimeFigureOut">
               <a:rPr lang="en-US" dirty="0"/>
-              <a:t>11/26/2020</a:t>
+              <a:t>2/22/2021</a:t>
             </a:fld>
             <a:endParaRPr lang="en-US" dirty="0"/>
           </a:p>
@@ -3123,7 +3123,7 @@
           <a:p>
             <a:fld id="{3772C379-9A7C-4C87-A116-CBE9F58B04C5}" type="datetimeFigureOut">
               <a:rPr lang="en-US" dirty="0"/>
-              <a:t>11/26/2020</a:t>
+              <a:t>2/22/2021</a:t>
             </a:fld>
             <a:endParaRPr lang="en-US" dirty="0"/>
           </a:p>
@@ -3399,7 +3399,7 @@
           <a:p>
             <a:fld id="{8664C608-40B1-4030-A28D-5B74BC98ADCE}" type="datetimeFigureOut">
               <a:rPr lang="en-US" dirty="0"/>
-              <a:t>11/26/2020</a:t>
+              <a:t>2/22/2021</a:t>
             </a:fld>
             <a:endParaRPr lang="en-US" dirty="0"/>
           </a:p>
@@ -4002,117 +4002,6 @@
           </a:p>
         </p:txBody>
       </p:sp>
-      <p:sp>
-        <p:nvSpPr>
-          <p:cNvPr id="3" name="Subtitle 2">
-            <a:extLst>
-              <a:ext uri="{FF2B5EF4-FFF2-40B4-BE49-F238E27FC236}">
-                <a16:creationId xmlns:a16="http://schemas.microsoft.com/office/drawing/2014/main" id="{7D083D85-9958-4E13-AC1D-BA85F87B017E}"/>
-              </a:ext>
-            </a:extLst>
-          </p:cNvPr>
-          <p:cNvSpPr>
-            <a:spLocks noGrp="1"/>
-          </p:cNvSpPr>
-          <p:nvPr>
-            <p:ph type="subTitle" idx="1"/>
-          </p:nvPr>
-        </p:nvSpPr>
-        <p:spPr/>
-        <p:txBody>
-          <a:bodyPr>
-            <a:normAutofit fontScale="92500" lnSpcReduction="20000"/>
-          </a:bodyPr>
-          <a:lstStyle/>
-          <a:p>
-            <a:r>
-              <a:rPr lang="en-US" dirty="0"/>
-              <a:t>B</a:t>
-            </a:r>
-            <a:r>
-              <a:rPr lang="en-IN" dirty="0"/>
-              <a:t>y: </a:t>
-            </a:r>
-            <a:r>
-              <a:rPr lang="en-US" dirty="0"/>
-              <a:t> Vishal </a:t>
-            </a:r>
-            <a:r>
-              <a:rPr lang="en-US" dirty="0" err="1"/>
-              <a:t>Mourya</a:t>
-            </a:r>
-            <a:r>
-              <a:rPr lang="en-US" dirty="0"/>
-              <a:t> </a:t>
-            </a:r>
-            <a:r>
-              <a:rPr lang="en-IN" dirty="0"/>
-              <a:t>(</a:t>
-            </a:r>
-            <a:r>
-              <a:rPr lang="en-US" dirty="0"/>
-              <a:t>IT-B-01</a:t>
-            </a:r>
-            <a:r>
-              <a:rPr lang="en-IN" dirty="0"/>
-              <a:t>)</a:t>
-            </a:r>
-          </a:p>
-          <a:p>
-            <a:r>
-              <a:rPr lang="en-IN" dirty="0"/>
-              <a:t>     </a:t>
-            </a:r>
-            <a:r>
-              <a:rPr lang="en-US" dirty="0"/>
-              <a:t> </a:t>
-            </a:r>
-            <a:r>
-              <a:rPr lang="en-IN" dirty="0"/>
-              <a:t> Sanjay Shukla(</a:t>
-            </a:r>
-            <a:r>
-              <a:rPr lang="en-US"/>
-              <a:t>IT-B-30</a:t>
-            </a:r>
-            <a:r>
-              <a:rPr lang="en-IN"/>
-              <a:t>)</a:t>
-            </a:r>
-            <a:endParaRPr lang="en-IN" dirty="0"/>
-          </a:p>
-          <a:p>
-            <a:r>
-              <a:rPr lang="en-IN" dirty="0"/>
-              <a:t>    </a:t>
-            </a:r>
-            <a:r>
-              <a:rPr lang="en-US" dirty="0"/>
-              <a:t> </a:t>
-            </a:r>
-            <a:r>
-              <a:rPr lang="en-IN" dirty="0"/>
-              <a:t> </a:t>
-            </a:r>
-            <a:r>
-              <a:rPr lang="en-US" dirty="0"/>
-              <a:t> Adarsh Singh </a:t>
-            </a:r>
-            <a:r>
-              <a:rPr lang="en-IN" dirty="0"/>
-              <a:t>(</a:t>
-            </a:r>
-            <a:r>
-              <a:rPr lang="en-US" dirty="0"/>
-              <a:t>IT-B-32</a:t>
-            </a:r>
-            <a:r>
-              <a:rPr lang="en-IN" dirty="0"/>
-              <a:t>) </a:t>
-            </a:r>
-          </a:p>
-        </p:txBody>
-      </p:sp>
     </p:spTree>
     <p:extLst>
       <p:ext uri="{BB962C8B-B14F-4D97-AF65-F5344CB8AC3E}">
